--- a/trunk/RSD1/presentation/ExamPresentation.pptx
+++ b/trunk/RSD1/presentation/ExamPresentation.pptx
@@ -288,6 +288,7 @@
           <a:p>
             <a:fld id="{AB6F99BC-818E-4C97-9F28-6F6A91A381FF}" type="datetimeFigureOut">
               <a:rPr lang="da-DK" smtClean="0"/>
+              <a:pPr/>
               <a:t>17-06-2010</a:t>
             </a:fld>
             <a:endParaRPr lang="en-US"/>
@@ -330,6 +331,7 @@
           <a:p>
             <a:fld id="{E9AE66FE-2386-409D-90ED-82576CAB4A7E}" type="slidenum">
               <a:rPr lang="en-US" smtClean="0"/>
+              <a:pPr/>
               <a:t>‹nr.›</a:t>
             </a:fld>
             <a:endParaRPr lang="en-US"/>
@@ -453,6 +455,7 @@
           <a:p>
             <a:fld id="{AB6F99BC-818E-4C97-9F28-6F6A91A381FF}" type="datetimeFigureOut">
               <a:rPr lang="da-DK" smtClean="0"/>
+              <a:pPr/>
               <a:t>17-06-2010</a:t>
             </a:fld>
             <a:endParaRPr lang="en-US"/>
@@ -495,6 +498,7 @@
           <a:p>
             <a:fld id="{E9AE66FE-2386-409D-90ED-82576CAB4A7E}" type="slidenum">
               <a:rPr lang="en-US" smtClean="0"/>
+              <a:pPr/>
               <a:t>‹nr.›</a:t>
             </a:fld>
             <a:endParaRPr lang="en-US"/>
@@ -628,6 +632,7 @@
           <a:p>
             <a:fld id="{AB6F99BC-818E-4C97-9F28-6F6A91A381FF}" type="datetimeFigureOut">
               <a:rPr lang="da-DK" smtClean="0"/>
+              <a:pPr/>
               <a:t>17-06-2010</a:t>
             </a:fld>
             <a:endParaRPr lang="en-US"/>
@@ -670,6 +675,7 @@
           <a:p>
             <a:fld id="{E9AE66FE-2386-409D-90ED-82576CAB4A7E}" type="slidenum">
               <a:rPr lang="en-US" smtClean="0"/>
+              <a:pPr/>
               <a:t>‹nr.›</a:t>
             </a:fld>
             <a:endParaRPr lang="en-US"/>
@@ -793,6 +799,7 @@
           <a:p>
             <a:fld id="{AB6F99BC-818E-4C97-9F28-6F6A91A381FF}" type="datetimeFigureOut">
               <a:rPr lang="da-DK" smtClean="0"/>
+              <a:pPr/>
               <a:t>17-06-2010</a:t>
             </a:fld>
             <a:endParaRPr lang="en-US"/>
@@ -835,6 +842,7 @@
           <a:p>
             <a:fld id="{E9AE66FE-2386-409D-90ED-82576CAB4A7E}" type="slidenum">
               <a:rPr lang="en-US" smtClean="0"/>
+              <a:pPr/>
               <a:t>‹nr.›</a:t>
             </a:fld>
             <a:endParaRPr lang="en-US"/>
@@ -1034,6 +1042,7 @@
           <a:p>
             <a:fld id="{AB6F99BC-818E-4C97-9F28-6F6A91A381FF}" type="datetimeFigureOut">
               <a:rPr lang="da-DK" smtClean="0"/>
+              <a:pPr/>
               <a:t>17-06-2010</a:t>
             </a:fld>
             <a:endParaRPr lang="en-US"/>
@@ -1076,6 +1085,7 @@
           <a:p>
             <a:fld id="{E9AE66FE-2386-409D-90ED-82576CAB4A7E}" type="slidenum">
               <a:rPr lang="en-US" smtClean="0"/>
+              <a:pPr/>
               <a:t>‹nr.›</a:t>
             </a:fld>
             <a:endParaRPr lang="en-US"/>
@@ -1317,6 +1327,7 @@
           <a:p>
             <a:fld id="{AB6F99BC-818E-4C97-9F28-6F6A91A381FF}" type="datetimeFigureOut">
               <a:rPr lang="da-DK" smtClean="0"/>
+              <a:pPr/>
               <a:t>17-06-2010</a:t>
             </a:fld>
             <a:endParaRPr lang="en-US"/>
@@ -1359,6 +1370,7 @@
           <a:p>
             <a:fld id="{E9AE66FE-2386-409D-90ED-82576CAB4A7E}" type="slidenum">
               <a:rPr lang="en-US" smtClean="0"/>
+              <a:pPr/>
               <a:t>‹nr.›</a:t>
             </a:fld>
             <a:endParaRPr lang="en-US"/>
@@ -1734,6 +1746,7 @@
           <a:p>
             <a:fld id="{AB6F99BC-818E-4C97-9F28-6F6A91A381FF}" type="datetimeFigureOut">
               <a:rPr lang="da-DK" smtClean="0"/>
+              <a:pPr/>
               <a:t>17-06-2010</a:t>
             </a:fld>
             <a:endParaRPr lang="en-US"/>
@@ -1776,6 +1789,7 @@
           <a:p>
             <a:fld id="{E9AE66FE-2386-409D-90ED-82576CAB4A7E}" type="slidenum">
               <a:rPr lang="en-US" smtClean="0"/>
+              <a:pPr/>
               <a:t>‹nr.›</a:t>
             </a:fld>
             <a:endParaRPr lang="en-US"/>
@@ -1847,6 +1861,7 @@
           <a:p>
             <a:fld id="{AB6F99BC-818E-4C97-9F28-6F6A91A381FF}" type="datetimeFigureOut">
               <a:rPr lang="da-DK" smtClean="0"/>
+              <a:pPr/>
               <a:t>17-06-2010</a:t>
             </a:fld>
             <a:endParaRPr lang="en-US"/>
@@ -1889,6 +1904,7 @@
           <a:p>
             <a:fld id="{E9AE66FE-2386-409D-90ED-82576CAB4A7E}" type="slidenum">
               <a:rPr lang="en-US" smtClean="0"/>
+              <a:pPr/>
               <a:t>‹nr.›</a:t>
             </a:fld>
             <a:endParaRPr lang="en-US"/>
@@ -1937,6 +1953,7 @@
           <a:p>
             <a:fld id="{AB6F99BC-818E-4C97-9F28-6F6A91A381FF}" type="datetimeFigureOut">
               <a:rPr lang="da-DK" smtClean="0"/>
+              <a:pPr/>
               <a:t>17-06-2010</a:t>
             </a:fld>
             <a:endParaRPr lang="en-US"/>
@@ -1979,6 +1996,7 @@
           <a:p>
             <a:fld id="{E9AE66FE-2386-409D-90ED-82576CAB4A7E}" type="slidenum">
               <a:rPr lang="en-US" smtClean="0"/>
+              <a:pPr/>
               <a:t>‹nr.›</a:t>
             </a:fld>
             <a:endParaRPr lang="en-US"/>
@@ -2209,6 +2227,7 @@
           <a:p>
             <a:fld id="{AB6F99BC-818E-4C97-9F28-6F6A91A381FF}" type="datetimeFigureOut">
               <a:rPr lang="da-DK" smtClean="0"/>
+              <a:pPr/>
               <a:t>17-06-2010</a:t>
             </a:fld>
             <a:endParaRPr lang="en-US"/>
@@ -2251,6 +2270,7 @@
           <a:p>
             <a:fld id="{E9AE66FE-2386-409D-90ED-82576CAB4A7E}" type="slidenum">
               <a:rPr lang="en-US" smtClean="0"/>
+              <a:pPr/>
               <a:t>‹nr.›</a:t>
             </a:fld>
             <a:endParaRPr lang="en-US"/>
@@ -2457,6 +2477,7 @@
           <a:p>
             <a:fld id="{AB6F99BC-818E-4C97-9F28-6F6A91A381FF}" type="datetimeFigureOut">
               <a:rPr lang="da-DK" smtClean="0"/>
+              <a:pPr/>
               <a:t>17-06-2010</a:t>
             </a:fld>
             <a:endParaRPr lang="en-US"/>
@@ -2499,6 +2520,7 @@
           <a:p>
             <a:fld id="{E9AE66FE-2386-409D-90ED-82576CAB4A7E}" type="slidenum">
               <a:rPr lang="en-US" smtClean="0"/>
+              <a:pPr/>
               <a:t>‹nr.›</a:t>
             </a:fld>
             <a:endParaRPr lang="en-US"/>
@@ -2665,6 +2687,7 @@
           <a:p>
             <a:fld id="{AB6F99BC-818E-4C97-9F28-6F6A91A381FF}" type="datetimeFigureOut">
               <a:rPr lang="da-DK" smtClean="0"/>
+              <a:pPr/>
               <a:t>17-06-2010</a:t>
             </a:fld>
             <a:endParaRPr lang="en-US"/>
@@ -2743,6 +2766,7 @@
           <a:p>
             <a:fld id="{E9AE66FE-2386-409D-90ED-82576CAB4A7E}" type="slidenum">
               <a:rPr lang="en-US" smtClean="0"/>
+              <a:pPr/>
               <a:t>‹nr.›</a:t>
             </a:fld>
             <a:endParaRPr lang="en-US"/>
@@ -3076,7 +3100,11 @@
           <a:bodyPr/>
           <a:lstStyle/>
           <a:p>
-            <a:endParaRPr lang="en-US"/>
+            <a:r>
+              <a:rPr lang="en-US" dirty="0" smtClean="0"/>
+              <a:t>Sorting Criteria</a:t>
+            </a:r>
+            <a:endParaRPr lang="en-US" dirty="0"/>
           </a:p>
         </p:txBody>
       </p:sp>
@@ -3092,14 +3120,18 @@
         </p:nvSpPr>
         <p:spPr>
           <a:xfrm>
-            <a:off x="1371600" y="4786322"/>
-            <a:ext cx="6400800" cy="1428760"/>
+            <a:off x="1371600" y="5373216"/>
+            <a:ext cx="6400800" cy="841866"/>
           </a:xfrm>
         </p:spPr>
         <p:txBody>
           <a:bodyPr/>
           <a:lstStyle/>
           <a:p>
+            <a:r>
+              <a:rPr lang="en-US" dirty="0" smtClean="0"/>
+              <a:t>Subtask 5 – RSD Robot System Design</a:t>
+            </a:r>
             <a:endParaRPr lang="en-US" dirty="0"/>
           </a:p>
         </p:txBody>

--- a/trunk/RSD1/presentation/ExamPresentation.pptx
+++ b/trunk/RSD1/presentation/ExamPresentation.pptx
@@ -3120,8 +3120,8 @@
         </p:nvSpPr>
         <p:spPr>
           <a:xfrm>
-            <a:off x="1371600" y="5373216"/>
-            <a:ext cx="6400800" cy="841866"/>
+            <a:off x="1371600" y="5214950"/>
+            <a:ext cx="6400800" cy="1000132"/>
           </a:xfrm>
         </p:spPr>
         <p:txBody>

--- a/trunk/RSD1/presentation/ExamPresentation.pptx
+++ b/trunk/RSD1/presentation/ExamPresentation.pptx
@@ -3076,7 +3076,7 @@
         </p:blipFill>
         <p:spPr bwMode="auto">
           <a:xfrm>
-            <a:off x="3643306" y="3357562"/>
+            <a:off x="3643306" y="2643182"/>
             <a:ext cx="1838626" cy="1857387"/>
           </a:xfrm>
           <a:prstGeom prst="rect">
@@ -3095,7 +3095,12 @@
             <p:ph type="ctrTitle"/>
           </p:nvPr>
         </p:nvSpPr>
-        <p:spPr/>
+        <p:spPr>
+          <a:xfrm>
+            <a:off x="685800" y="1416045"/>
+            <a:ext cx="7772400" cy="1470025"/>
+          </a:xfrm>
+        </p:spPr>
         <p:txBody>
           <a:bodyPr/>
           <a:lstStyle/>
@@ -3120,7 +3125,7 @@
         </p:nvSpPr>
         <p:spPr>
           <a:xfrm>
-            <a:off x="1371600" y="5214950"/>
+            <a:off x="1371600" y="4500570"/>
             <a:ext cx="6400800" cy="1000132"/>
           </a:xfrm>
         </p:spPr>

--- a/trunk/RSD1/presentation/ExamPresentation.pptx
+++ b/trunk/RSD1/presentation/ExamPresentation.pptx
@@ -6,6 +6,7 @@
   </p:sldMasterIdLst>
   <p:sldIdLst>
     <p:sldId id="256" r:id="rId2"/>
+    <p:sldId id="257" r:id="rId3"/>
   </p:sldIdLst>
   <p:sldSz cx="9144000" cy="6858000" type="screen4x3"/>
   <p:notesSz cx="6858000" cy="9144000"/>
@@ -3149,6 +3150,272 @@
 </p:sld>
 </file>
 
+<file path=ppt/slides/slide2.xml><?xml version="1.0" encoding="utf-8"?>
+<p:sld xmlns:a="http://schemas.openxmlformats.org/drawingml/2006/main" xmlns:r="http://schemas.openxmlformats.org/officeDocument/2006/relationships" xmlns:p="http://schemas.openxmlformats.org/presentationml/2006/main">
+  <p:cSld>
+    <p:spTree>
+      <p:nvGrpSpPr>
+        <p:cNvPr id="1" name=""/>
+        <p:cNvGrpSpPr/>
+        <p:nvPr/>
+      </p:nvGrpSpPr>
+      <p:grpSpPr>
+        <a:xfrm>
+          <a:off x="0" y="0"/>
+          <a:ext cx="0" cy="0"/>
+          <a:chOff x="0" y="0"/>
+          <a:chExt cx="0" cy="0"/>
+        </a:xfrm>
+      </p:grpSpPr>
+      <p:sp>
+        <p:nvSpPr>
+          <p:cNvPr id="2" name="Titel 1"/>
+          <p:cNvSpPr>
+            <a:spLocks noGrp="1"/>
+          </p:cNvSpPr>
+          <p:nvPr>
+            <p:ph type="title"/>
+          </p:nvPr>
+        </p:nvSpPr>
+        <p:spPr/>
+        <p:txBody>
+          <a:bodyPr/>
+          <a:lstStyle/>
+          <a:p>
+            <a:r>
+              <a:rPr lang="en-US" dirty="0" smtClean="0"/>
+              <a:t>Introduction</a:t>
+            </a:r>
+            <a:endParaRPr lang="en-US" dirty="0"/>
+          </a:p>
+        </p:txBody>
+      </p:sp>
+      <p:sp>
+        <p:nvSpPr>
+          <p:cNvPr id="3" name="Pladsholder til indhold 2"/>
+          <p:cNvSpPr>
+            <a:spLocks noGrp="1"/>
+          </p:cNvSpPr>
+          <p:nvPr>
+            <p:ph idx="1"/>
+          </p:nvPr>
+        </p:nvSpPr>
+        <p:spPr>
+          <a:xfrm>
+            <a:off x="457200" y="1600200"/>
+            <a:ext cx="8229600" cy="5472138"/>
+          </a:xfrm>
+        </p:spPr>
+        <p:txBody>
+          <a:bodyPr>
+            <a:normAutofit/>
+          </a:bodyPr>
+          <a:lstStyle/>
+          <a:p>
+            <a:r>
+              <a:rPr lang="en-US" sz="1400" b="1" dirty="0" smtClean="0"/>
+              <a:t>Task </a:t>
+            </a:r>
+            <a:r>
+              <a:rPr lang="en-US" sz="1400" b="1" dirty="0" smtClean="0"/>
+              <a:t>description</a:t>
+            </a:r>
+          </a:p>
+          <a:p>
+            <a:pPr lvl="1"/>
+            <a:r>
+              <a:rPr lang="en-US" sz="1400" dirty="0" smtClean="0"/>
+              <a:t>Everybody </a:t>
+            </a:r>
+            <a:r>
+              <a:rPr lang="en-US" sz="1400" dirty="0" smtClean="0"/>
+              <a:t>knows that washing black and white together is a bad idea, but there are a lot more criteria to consider, to prepare a </a:t>
+            </a:r>
+            <a:r>
+              <a:rPr lang="en-US" sz="1400" dirty="0" smtClean="0"/>
+              <a:t>wash</a:t>
+            </a:r>
+          </a:p>
+          <a:p>
+            <a:pPr lvl="2"/>
+            <a:r>
+              <a:rPr lang="en-US" sz="1400" dirty="0" smtClean="0"/>
+              <a:t>Appropriate </a:t>
+            </a:r>
+            <a:r>
+              <a:rPr lang="en-US" sz="1400" dirty="0" smtClean="0"/>
+              <a:t>colors for joint </a:t>
+            </a:r>
+            <a:r>
+              <a:rPr lang="en-US" sz="1400" dirty="0" smtClean="0"/>
+              <a:t>was</a:t>
+            </a:r>
+          </a:p>
+          <a:p>
+            <a:pPr lvl="2"/>
+            <a:r>
+              <a:rPr lang="en-US" sz="1400" dirty="0" smtClean="0"/>
+              <a:t>Washing </a:t>
+            </a:r>
+            <a:r>
+              <a:rPr lang="en-US" sz="1400" dirty="0" smtClean="0"/>
+              <a:t>conditions –e.g. temperature, centrifugation, spinning speed, </a:t>
+            </a:r>
+            <a:r>
+              <a:rPr lang="en-US" sz="1400" dirty="0" smtClean="0"/>
+              <a:t>drying</a:t>
+            </a:r>
+          </a:p>
+          <a:p>
+            <a:pPr lvl="1"/>
+            <a:r>
+              <a:rPr lang="en-US" sz="1400" dirty="0" smtClean="0"/>
+              <a:t>The </a:t>
+            </a:r>
+            <a:r>
+              <a:rPr lang="en-US" sz="1400" dirty="0" smtClean="0"/>
+              <a:t>appropriate amount of laundry should be prepared in piles or containers, which correspond to the load size of a washing </a:t>
+            </a:r>
+            <a:r>
+              <a:rPr lang="en-US" sz="1400" dirty="0" smtClean="0"/>
+              <a:t>machine</a:t>
+            </a:r>
+          </a:p>
+          <a:p>
+            <a:pPr lvl="1"/>
+            <a:r>
+              <a:rPr lang="en-US" sz="1400" dirty="0" smtClean="0"/>
+              <a:t>When </a:t>
+            </a:r>
+            <a:r>
+              <a:rPr lang="en-US" sz="1400" dirty="0" smtClean="0"/>
+              <a:t>elders move in their clothes will be tagged (subtask 6), but the washing recipes of each item should also be </a:t>
+            </a:r>
+            <a:r>
+              <a:rPr lang="en-US" sz="1400" dirty="0" smtClean="0"/>
+              <a:t>registered</a:t>
+            </a:r>
+          </a:p>
+          <a:p>
+            <a:pPr lvl="2"/>
+            <a:r>
+              <a:rPr lang="en-US" sz="1400" dirty="0" smtClean="0"/>
+              <a:t>That </a:t>
+            </a:r>
+            <a:r>
+              <a:rPr lang="en-US" sz="1400" dirty="0" smtClean="0"/>
+              <a:t>task should be simple for the staff</a:t>
+            </a:r>
+          </a:p>
+          <a:p>
+            <a:r>
+              <a:rPr lang="en-US" sz="1400" b="1" dirty="0" smtClean="0"/>
+              <a:t>Challenges</a:t>
+            </a:r>
+          </a:p>
+          <a:p>
+            <a:pPr lvl="1"/>
+            <a:r>
+              <a:rPr lang="en-US" sz="1400" dirty="0" smtClean="0"/>
+              <a:t>Together </a:t>
+            </a:r>
+            <a:r>
+              <a:rPr lang="en-US" sz="1400" dirty="0" smtClean="0"/>
+              <a:t>with group of subtask 6 create an easy an </a:t>
+            </a:r>
+            <a:r>
+              <a:rPr lang="en-US" sz="1400" dirty="0" smtClean="0"/>
+              <a:t>appropriate interface </a:t>
+            </a:r>
+            <a:r>
+              <a:rPr lang="en-US" sz="1400" dirty="0" smtClean="0"/>
+              <a:t>for </a:t>
+            </a:r>
+            <a:r>
+              <a:rPr lang="en-US" sz="1400" dirty="0" smtClean="0"/>
+              <a:t>registering </a:t>
+            </a:r>
+            <a:r>
+              <a:rPr lang="en-US" sz="1400" dirty="0" smtClean="0"/>
+              <a:t>clothes and washing </a:t>
+            </a:r>
+            <a:r>
+              <a:rPr lang="en-US" sz="1400" dirty="0" smtClean="0"/>
+              <a:t>recipes</a:t>
+            </a:r>
+          </a:p>
+          <a:p>
+            <a:pPr lvl="1"/>
+            <a:r>
+              <a:rPr lang="en-US" sz="1400" dirty="0" smtClean="0"/>
+              <a:t>Control </a:t>
+            </a:r>
+            <a:r>
+              <a:rPr lang="en-US" sz="1400" dirty="0" smtClean="0"/>
+              <a:t>criteria for the robot arm in subtask </a:t>
+            </a:r>
+            <a:r>
+              <a:rPr lang="en-US" sz="1400" dirty="0" smtClean="0"/>
+              <a:t>4</a:t>
+            </a:r>
+          </a:p>
+          <a:p>
+            <a:pPr lvl="1"/>
+            <a:r>
+              <a:rPr lang="en-US" sz="1400" dirty="0" smtClean="0"/>
+              <a:t>Close </a:t>
+            </a:r>
+            <a:r>
+              <a:rPr lang="en-US" sz="1400" dirty="0" smtClean="0"/>
+              <a:t>collaboration with subtask 4 and </a:t>
+            </a:r>
+            <a:r>
+              <a:rPr lang="en-US" sz="1400" dirty="0" smtClean="0"/>
+              <a:t>6</a:t>
+            </a:r>
+          </a:p>
+          <a:p>
+            <a:pPr lvl="1"/>
+            <a:r>
+              <a:rPr lang="en-US" sz="1400" dirty="0" smtClean="0"/>
+              <a:t>Perhaps </a:t>
+            </a:r>
+            <a:r>
+              <a:rPr lang="en-US" sz="1400" dirty="0" smtClean="0"/>
+              <a:t>some “untagged” clothes </a:t>
+            </a:r>
+            <a:r>
+              <a:rPr lang="en-US" sz="1400" dirty="0" smtClean="0"/>
+              <a:t>should be </a:t>
+            </a:r>
+            <a:r>
+              <a:rPr lang="en-US" sz="1400" dirty="0" smtClean="0"/>
+              <a:t>put in washing bags?</a:t>
+            </a:r>
+          </a:p>
+          <a:p>
+            <a:r>
+              <a:rPr lang="en-US" sz="1400" b="1" dirty="0" smtClean="0"/>
+              <a:t>Technologies available</a:t>
+            </a:r>
+          </a:p>
+          <a:p>
+            <a:pPr lvl="1"/>
+            <a:r>
+              <a:rPr lang="en-US" sz="1400" dirty="0" smtClean="0"/>
+              <a:t>Investigate possible technologies</a:t>
+            </a:r>
+          </a:p>
+        </p:txBody>
+      </p:sp>
+    </p:spTree>
+  </p:cSld>
+  <p:clrMapOvr>
+    <a:masterClrMapping/>
+  </p:clrMapOvr>
+</p:sld>
+</file>
+
 <file path=ppt/theme/theme1.xml><?xml version="1.0" encoding="utf-8"?>
 <a:theme xmlns:a="http://schemas.openxmlformats.org/drawingml/2006/main" name="Kontortema">
   <a:themeElements>

--- a/trunk/RSD1/presentation/ExamPresentation.pptx
+++ b/trunk/RSD1/presentation/ExamPresentation.pptx
@@ -7,6 +7,13 @@
   <p:sldIdLst>
     <p:sldId id="256" r:id="rId2"/>
     <p:sldId id="257" r:id="rId3"/>
+    <p:sldId id="258" r:id="rId4"/>
+    <p:sldId id="259" r:id="rId5"/>
+    <p:sldId id="260" r:id="rId6"/>
+    <p:sldId id="261" r:id="rId7"/>
+    <p:sldId id="263" r:id="rId8"/>
+    <p:sldId id="264" r:id="rId9"/>
+    <p:sldId id="262" r:id="rId10"/>
   </p:sldIdLst>
   <p:sldSz cx="9144000" cy="6858000" type="screen4x3"/>
   <p:notesSz cx="6858000" cy="9144000"/>
@@ -3214,97 +3221,49 @@
           <a:p>
             <a:r>
               <a:rPr lang="en-US" sz="1400" b="1" dirty="0" smtClean="0"/>
-              <a:t>Task </a:t>
-            </a:r>
-            <a:r>
-              <a:rPr lang="en-US" sz="1400" b="1" dirty="0" smtClean="0"/>
-              <a:t>description</a:t>
+              <a:t>Task description</a:t>
             </a:r>
           </a:p>
           <a:p>
             <a:pPr lvl="1"/>
             <a:r>
               <a:rPr lang="en-US" sz="1400" dirty="0" smtClean="0"/>
-              <a:t>Everybody </a:t>
-            </a:r>
+              <a:t>Everybody knows that washing black and white together is a bad idea, but there are a lot more criteria to consider, to prepare a wash</a:t>
+            </a:r>
+          </a:p>
+          <a:p>
+            <a:pPr lvl="2"/>
             <a:r>
               <a:rPr lang="en-US" sz="1400" dirty="0" smtClean="0"/>
-              <a:t>knows that washing black and white together is a bad idea, but there are a lot more criteria to consider, to prepare a </a:t>
-            </a:r>
+              <a:t>Appropriate colors for joint was</a:t>
+            </a:r>
+          </a:p>
+          <a:p>
+            <a:pPr lvl="2"/>
             <a:r>
               <a:rPr lang="en-US" sz="1400" dirty="0" smtClean="0"/>
-              <a:t>wash</a:t>
+              <a:t>Washing conditions –e.g. temperature, centrifugation, spinning speed, drying</a:t>
+            </a:r>
+          </a:p>
+          <a:p>
+            <a:pPr lvl="1"/>
+            <a:r>
+              <a:rPr lang="en-US" sz="1400" dirty="0" smtClean="0"/>
+              <a:t>The appropriate amount of laundry should be prepared in piles or containers, which correspond to the load size of a washing machine</a:t>
+            </a:r>
+          </a:p>
+          <a:p>
+            <a:pPr lvl="1"/>
+            <a:r>
+              <a:rPr lang="en-US" sz="1400" dirty="0" smtClean="0"/>
+              <a:t>When elders move in their clothes will be tagged (subtask 6), but the washing recipes of each item should also be registered</a:t>
             </a:r>
           </a:p>
           <a:p>
             <a:pPr lvl="2"/>
             <a:r>
               <a:rPr lang="en-US" sz="1400" dirty="0" smtClean="0"/>
-              <a:t>Appropriate </a:t>
-            </a:r>
-            <a:r>
-              <a:rPr lang="en-US" sz="1400" dirty="0" smtClean="0"/>
-              <a:t>colors for joint </a:t>
-            </a:r>
-            <a:r>
-              <a:rPr lang="en-US" sz="1400" dirty="0" smtClean="0"/>
-              <a:t>was</a:t>
-            </a:r>
-          </a:p>
-          <a:p>
-            <a:pPr lvl="2"/>
-            <a:r>
-              <a:rPr lang="en-US" sz="1400" dirty="0" smtClean="0"/>
-              <a:t>Washing </a:t>
-            </a:r>
-            <a:r>
-              <a:rPr lang="en-US" sz="1400" dirty="0" smtClean="0"/>
-              <a:t>conditions –e.g. temperature, centrifugation, spinning speed, </a:t>
-            </a:r>
-            <a:r>
-              <a:rPr lang="en-US" sz="1400" dirty="0" smtClean="0"/>
-              <a:t>drying</a:t>
-            </a:r>
-          </a:p>
-          <a:p>
-            <a:pPr lvl="1"/>
-            <a:r>
-              <a:rPr lang="en-US" sz="1400" dirty="0" smtClean="0"/>
-              <a:t>The </a:t>
-            </a:r>
-            <a:r>
-              <a:rPr lang="en-US" sz="1400" dirty="0" smtClean="0"/>
-              <a:t>appropriate amount of laundry should be prepared in piles or containers, which correspond to the load size of a washing </a:t>
-            </a:r>
-            <a:r>
-              <a:rPr lang="en-US" sz="1400" dirty="0" smtClean="0"/>
-              <a:t>machine</a:t>
-            </a:r>
-          </a:p>
-          <a:p>
-            <a:pPr lvl="1"/>
-            <a:r>
-              <a:rPr lang="en-US" sz="1400" dirty="0" smtClean="0"/>
-              <a:t>When </a:t>
-            </a:r>
-            <a:r>
-              <a:rPr lang="en-US" sz="1400" dirty="0" smtClean="0"/>
-              <a:t>elders move in their clothes will be tagged (subtask 6), but the washing recipes of each item should also be </a:t>
-            </a:r>
-            <a:r>
-              <a:rPr lang="en-US" sz="1400" dirty="0" smtClean="0"/>
-              <a:t>registered</a:t>
-            </a:r>
-          </a:p>
-          <a:p>
-            <a:pPr lvl="2"/>
-            <a:r>
-              <a:rPr lang="en-US" sz="1400" dirty="0" smtClean="0"/>
-              <a:t>That </a:t>
-            </a:r>
-            <a:r>
-              <a:rPr lang="en-US" sz="1400" dirty="0" smtClean="0"/>
-              <a:t>task should be simple for the staff</a:t>
+              <a:t>That task should be simple for the staff</a:t>
             </a:r>
           </a:p>
           <a:p>
@@ -3317,80 +3276,28 @@
             <a:pPr lvl="1"/>
             <a:r>
               <a:rPr lang="en-US" sz="1400" dirty="0" smtClean="0"/>
-              <a:t>Together </a:t>
-            </a:r>
+              <a:t>Together with group of subtask 6 create an easy an appropriate interface for registering clothes and washing recipes</a:t>
+            </a:r>
+          </a:p>
+          <a:p>
+            <a:pPr lvl="1"/>
             <a:r>
               <a:rPr lang="en-US" sz="1400" dirty="0" smtClean="0"/>
-              <a:t>with group of subtask 6 create an easy an </a:t>
-            </a:r>
+              <a:t>Control criteria for the robot arm in subtask 4</a:t>
+            </a:r>
+          </a:p>
+          <a:p>
+            <a:pPr lvl="1"/>
             <a:r>
               <a:rPr lang="en-US" sz="1400" dirty="0" smtClean="0"/>
-              <a:t>appropriate interface </a:t>
-            </a:r>
+              <a:t>Close collaboration with subtask 4 and 6</a:t>
+            </a:r>
+          </a:p>
+          <a:p>
+            <a:pPr lvl="1"/>
             <a:r>
               <a:rPr lang="en-US" sz="1400" dirty="0" smtClean="0"/>
-              <a:t>for </a:t>
-            </a:r>
-            <a:r>
-              <a:rPr lang="en-US" sz="1400" dirty="0" smtClean="0"/>
-              <a:t>registering </a:t>
-            </a:r>
-            <a:r>
-              <a:rPr lang="en-US" sz="1400" dirty="0" smtClean="0"/>
-              <a:t>clothes and washing </a:t>
-            </a:r>
-            <a:r>
-              <a:rPr lang="en-US" sz="1400" dirty="0" smtClean="0"/>
-              <a:t>recipes</a:t>
-            </a:r>
-          </a:p>
-          <a:p>
-            <a:pPr lvl="1"/>
-            <a:r>
-              <a:rPr lang="en-US" sz="1400" dirty="0" smtClean="0"/>
-              <a:t>Control </a:t>
-            </a:r>
-            <a:r>
-              <a:rPr lang="en-US" sz="1400" dirty="0" smtClean="0"/>
-              <a:t>criteria for the robot arm in subtask </a:t>
-            </a:r>
-            <a:r>
-              <a:rPr lang="en-US" sz="1400" dirty="0" smtClean="0"/>
-              <a:t>4</a:t>
-            </a:r>
-          </a:p>
-          <a:p>
-            <a:pPr lvl="1"/>
-            <a:r>
-              <a:rPr lang="en-US" sz="1400" dirty="0" smtClean="0"/>
-              <a:t>Close </a:t>
-            </a:r>
-            <a:r>
-              <a:rPr lang="en-US" sz="1400" dirty="0" smtClean="0"/>
-              <a:t>collaboration with subtask 4 and </a:t>
-            </a:r>
-            <a:r>
-              <a:rPr lang="en-US" sz="1400" dirty="0" smtClean="0"/>
-              <a:t>6</a:t>
-            </a:r>
-          </a:p>
-          <a:p>
-            <a:pPr lvl="1"/>
-            <a:r>
-              <a:rPr lang="en-US" sz="1400" dirty="0" smtClean="0"/>
-              <a:t>Perhaps </a:t>
-            </a:r>
-            <a:r>
-              <a:rPr lang="en-US" sz="1400" dirty="0" smtClean="0"/>
-              <a:t>some “untagged” clothes </a:t>
-            </a:r>
-            <a:r>
-              <a:rPr lang="en-US" sz="1400" dirty="0" smtClean="0"/>
-              <a:t>should be </a:t>
-            </a:r>
-            <a:r>
-              <a:rPr lang="en-US" sz="1400" dirty="0" smtClean="0"/>
-              <a:t>put in washing bags?</a:t>
+              <a:t>Perhaps some “untagged” clothes should be put in washing bags?</a:t>
             </a:r>
           </a:p>
           <a:p>
@@ -3405,6 +3312,475 @@
               <a:rPr lang="en-US" sz="1400" dirty="0" smtClean="0"/>
               <a:t>Investigate possible technologies</a:t>
             </a:r>
+          </a:p>
+        </p:txBody>
+      </p:sp>
+    </p:spTree>
+  </p:cSld>
+  <p:clrMapOvr>
+    <a:masterClrMapping/>
+  </p:clrMapOvr>
+</p:sld>
+</file>
+
+<file path=ppt/slides/slide3.xml><?xml version="1.0" encoding="utf-8"?>
+<p:sld xmlns:a="http://schemas.openxmlformats.org/drawingml/2006/main" xmlns:r="http://schemas.openxmlformats.org/officeDocument/2006/relationships" xmlns:p="http://schemas.openxmlformats.org/presentationml/2006/main">
+  <p:cSld>
+    <p:spTree>
+      <p:nvGrpSpPr>
+        <p:cNvPr id="1" name=""/>
+        <p:cNvGrpSpPr/>
+        <p:nvPr/>
+      </p:nvGrpSpPr>
+      <p:grpSpPr>
+        <a:xfrm>
+          <a:off x="0" y="0"/>
+          <a:ext cx="0" cy="0"/>
+          <a:chOff x="0" y="0"/>
+          <a:chExt cx="0" cy="0"/>
+        </a:xfrm>
+      </p:grpSpPr>
+      <p:sp>
+        <p:nvSpPr>
+          <p:cNvPr id="2" name="Titel 1"/>
+          <p:cNvSpPr>
+            <a:spLocks noGrp="1"/>
+          </p:cNvSpPr>
+          <p:nvPr>
+            <p:ph type="title"/>
+          </p:nvPr>
+        </p:nvSpPr>
+        <p:spPr/>
+        <p:txBody>
+          <a:bodyPr/>
+          <a:lstStyle/>
+          <a:p>
+            <a:r>
+              <a:rPr lang="en-US" dirty="0" smtClean="0"/>
+              <a:t>Collaboration</a:t>
+            </a:r>
+            <a:endParaRPr lang="en-US" dirty="0"/>
+          </a:p>
+        </p:txBody>
+      </p:sp>
+      <p:sp>
+        <p:nvSpPr>
+          <p:cNvPr id="3" name="Pladsholder til indhold 2"/>
+          <p:cNvSpPr>
+            <a:spLocks noGrp="1"/>
+          </p:cNvSpPr>
+          <p:nvPr>
+            <p:ph idx="1"/>
+          </p:nvPr>
+        </p:nvSpPr>
+        <p:spPr/>
+        <p:txBody>
+          <a:bodyPr/>
+          <a:lstStyle/>
+          <a:p>
+            <a:endParaRPr lang="en-US"/>
+          </a:p>
+        </p:txBody>
+      </p:sp>
+    </p:spTree>
+  </p:cSld>
+  <p:clrMapOvr>
+    <a:masterClrMapping/>
+  </p:clrMapOvr>
+</p:sld>
+</file>
+
+<file path=ppt/slides/slide4.xml><?xml version="1.0" encoding="utf-8"?>
+<p:sld xmlns:a="http://schemas.openxmlformats.org/drawingml/2006/main" xmlns:r="http://schemas.openxmlformats.org/officeDocument/2006/relationships" xmlns:p="http://schemas.openxmlformats.org/presentationml/2006/main">
+  <p:cSld>
+    <p:spTree>
+      <p:nvGrpSpPr>
+        <p:cNvPr id="1" name=""/>
+        <p:cNvGrpSpPr/>
+        <p:nvPr/>
+      </p:nvGrpSpPr>
+      <p:grpSpPr>
+        <a:xfrm>
+          <a:off x="0" y="0"/>
+          <a:ext cx="0" cy="0"/>
+          <a:chOff x="0" y="0"/>
+          <a:chExt cx="0" cy="0"/>
+        </a:xfrm>
+      </p:grpSpPr>
+      <p:sp>
+        <p:nvSpPr>
+          <p:cNvPr id="2" name="Titel 1"/>
+          <p:cNvSpPr>
+            <a:spLocks noGrp="1"/>
+          </p:cNvSpPr>
+          <p:nvPr>
+            <p:ph type="title"/>
+          </p:nvPr>
+        </p:nvSpPr>
+        <p:spPr/>
+        <p:txBody>
+          <a:bodyPr/>
+          <a:lstStyle/>
+          <a:p>
+            <a:r>
+              <a:rPr lang="en-US" dirty="0" smtClean="0"/>
+              <a:t>Possible Technologies</a:t>
+            </a:r>
+            <a:endParaRPr lang="en-US" dirty="0"/>
+          </a:p>
+        </p:txBody>
+      </p:sp>
+      <p:sp>
+        <p:nvSpPr>
+          <p:cNvPr id="3" name="Pladsholder til indhold 2"/>
+          <p:cNvSpPr>
+            <a:spLocks noGrp="1"/>
+          </p:cNvSpPr>
+          <p:nvPr>
+            <p:ph idx="1"/>
+          </p:nvPr>
+        </p:nvSpPr>
+        <p:spPr/>
+        <p:txBody>
+          <a:bodyPr/>
+          <a:lstStyle/>
+          <a:p>
+            <a:endParaRPr lang="en-US"/>
+          </a:p>
+        </p:txBody>
+      </p:sp>
+    </p:spTree>
+  </p:cSld>
+  <p:clrMapOvr>
+    <a:masterClrMapping/>
+  </p:clrMapOvr>
+</p:sld>
+</file>
+
+<file path=ppt/slides/slide5.xml><?xml version="1.0" encoding="utf-8"?>
+<p:sld xmlns:a="http://schemas.openxmlformats.org/drawingml/2006/main" xmlns:r="http://schemas.openxmlformats.org/officeDocument/2006/relationships" xmlns:p="http://schemas.openxmlformats.org/presentationml/2006/main">
+  <p:cSld>
+    <p:spTree>
+      <p:nvGrpSpPr>
+        <p:cNvPr id="1" name=""/>
+        <p:cNvGrpSpPr/>
+        <p:nvPr/>
+      </p:nvGrpSpPr>
+      <p:grpSpPr>
+        <a:xfrm>
+          <a:off x="0" y="0"/>
+          <a:ext cx="0" cy="0"/>
+          <a:chOff x="0" y="0"/>
+          <a:chExt cx="0" cy="0"/>
+        </a:xfrm>
+      </p:grpSpPr>
+      <p:sp>
+        <p:nvSpPr>
+          <p:cNvPr id="2" name="Titel 1"/>
+          <p:cNvSpPr>
+            <a:spLocks noGrp="1"/>
+          </p:cNvSpPr>
+          <p:nvPr>
+            <p:ph type="title"/>
+          </p:nvPr>
+        </p:nvSpPr>
+        <p:spPr/>
+        <p:txBody>
+          <a:bodyPr/>
+          <a:lstStyle/>
+          <a:p>
+            <a:r>
+              <a:rPr lang="en-US" dirty="0" smtClean="0"/>
+              <a:t>System Design</a:t>
+            </a:r>
+            <a:endParaRPr lang="en-US" dirty="0"/>
+          </a:p>
+        </p:txBody>
+      </p:sp>
+      <p:sp>
+        <p:nvSpPr>
+          <p:cNvPr id="3" name="Pladsholder til indhold 2"/>
+          <p:cNvSpPr>
+            <a:spLocks noGrp="1"/>
+          </p:cNvSpPr>
+          <p:nvPr>
+            <p:ph idx="1"/>
+          </p:nvPr>
+        </p:nvSpPr>
+        <p:spPr/>
+        <p:txBody>
+          <a:bodyPr/>
+          <a:lstStyle/>
+          <a:p>
+            <a:endParaRPr lang="en-US"/>
+          </a:p>
+        </p:txBody>
+      </p:sp>
+    </p:spTree>
+  </p:cSld>
+  <p:clrMapOvr>
+    <a:masterClrMapping/>
+  </p:clrMapOvr>
+</p:sld>
+</file>
+
+<file path=ppt/slides/slide6.xml><?xml version="1.0" encoding="utf-8"?>
+<p:sld xmlns:a="http://schemas.openxmlformats.org/drawingml/2006/main" xmlns:r="http://schemas.openxmlformats.org/officeDocument/2006/relationships" xmlns:p="http://schemas.openxmlformats.org/presentationml/2006/main">
+  <p:cSld>
+    <p:spTree>
+      <p:nvGrpSpPr>
+        <p:cNvPr id="1" name=""/>
+        <p:cNvGrpSpPr/>
+        <p:nvPr/>
+      </p:nvGrpSpPr>
+      <p:grpSpPr>
+        <a:xfrm>
+          <a:off x="0" y="0"/>
+          <a:ext cx="0" cy="0"/>
+          <a:chOff x="0" y="0"/>
+          <a:chExt cx="0" cy="0"/>
+        </a:xfrm>
+      </p:grpSpPr>
+      <p:sp>
+        <p:nvSpPr>
+          <p:cNvPr id="2" name="Titel 1"/>
+          <p:cNvSpPr>
+            <a:spLocks noGrp="1"/>
+          </p:cNvSpPr>
+          <p:nvPr>
+            <p:ph type="title"/>
+          </p:nvPr>
+        </p:nvSpPr>
+        <p:spPr/>
+        <p:txBody>
+          <a:bodyPr/>
+          <a:lstStyle/>
+          <a:p>
+            <a:r>
+              <a:rPr lang="en-US" dirty="0" smtClean="0"/>
+              <a:t>Sorting Criteria</a:t>
+            </a:r>
+            <a:endParaRPr lang="en-US" dirty="0"/>
+          </a:p>
+        </p:txBody>
+      </p:sp>
+      <p:sp>
+        <p:nvSpPr>
+          <p:cNvPr id="3" name="Pladsholder til indhold 2"/>
+          <p:cNvSpPr>
+            <a:spLocks noGrp="1"/>
+          </p:cNvSpPr>
+          <p:nvPr>
+            <p:ph idx="1"/>
+          </p:nvPr>
+        </p:nvSpPr>
+        <p:spPr/>
+        <p:txBody>
+          <a:bodyPr/>
+          <a:lstStyle/>
+          <a:p>
+            <a:endParaRPr lang="en-US"/>
+          </a:p>
+        </p:txBody>
+      </p:sp>
+    </p:spTree>
+  </p:cSld>
+  <p:clrMapOvr>
+    <a:masterClrMapping/>
+  </p:clrMapOvr>
+</p:sld>
+</file>
+
+<file path=ppt/slides/slide7.xml><?xml version="1.0" encoding="utf-8"?>
+<p:sld xmlns:a="http://schemas.openxmlformats.org/drawingml/2006/main" xmlns:r="http://schemas.openxmlformats.org/officeDocument/2006/relationships" xmlns:p="http://schemas.openxmlformats.org/presentationml/2006/main">
+  <p:cSld>
+    <p:spTree>
+      <p:nvGrpSpPr>
+        <p:cNvPr id="1" name=""/>
+        <p:cNvGrpSpPr/>
+        <p:nvPr/>
+      </p:nvGrpSpPr>
+      <p:grpSpPr>
+        <a:xfrm>
+          <a:off x="0" y="0"/>
+          <a:ext cx="0" cy="0"/>
+          <a:chOff x="0" y="0"/>
+          <a:chExt cx="0" cy="0"/>
+        </a:xfrm>
+      </p:grpSpPr>
+      <p:sp>
+        <p:nvSpPr>
+          <p:cNvPr id="2" name="Titel 1"/>
+          <p:cNvSpPr>
+            <a:spLocks noGrp="1"/>
+          </p:cNvSpPr>
+          <p:nvPr>
+            <p:ph type="title"/>
+          </p:nvPr>
+        </p:nvSpPr>
+        <p:spPr/>
+        <p:txBody>
+          <a:bodyPr/>
+          <a:lstStyle/>
+          <a:p>
+            <a:r>
+              <a:rPr lang="en-US" dirty="0" smtClean="0"/>
+              <a:t>MySQL Library</a:t>
+            </a:r>
+            <a:endParaRPr lang="en-US" dirty="0"/>
+          </a:p>
+        </p:txBody>
+      </p:sp>
+      <p:sp>
+        <p:nvSpPr>
+          <p:cNvPr id="3" name="Pladsholder til indhold 2"/>
+          <p:cNvSpPr>
+            <a:spLocks noGrp="1"/>
+          </p:cNvSpPr>
+          <p:nvPr>
+            <p:ph idx="1"/>
+          </p:nvPr>
+        </p:nvSpPr>
+        <p:spPr/>
+        <p:txBody>
+          <a:bodyPr/>
+          <a:lstStyle/>
+          <a:p>
+            <a:endParaRPr lang="en-US"/>
+          </a:p>
+        </p:txBody>
+      </p:sp>
+    </p:spTree>
+  </p:cSld>
+  <p:clrMapOvr>
+    <a:masterClrMapping/>
+  </p:clrMapOvr>
+</p:sld>
+</file>
+
+<file path=ppt/slides/slide8.xml><?xml version="1.0" encoding="utf-8"?>
+<p:sld xmlns:a="http://schemas.openxmlformats.org/drawingml/2006/main" xmlns:r="http://schemas.openxmlformats.org/officeDocument/2006/relationships" xmlns:p="http://schemas.openxmlformats.org/presentationml/2006/main">
+  <p:cSld>
+    <p:spTree>
+      <p:nvGrpSpPr>
+        <p:cNvPr id="1" name=""/>
+        <p:cNvGrpSpPr/>
+        <p:nvPr/>
+      </p:nvGrpSpPr>
+      <p:grpSpPr>
+        <a:xfrm>
+          <a:off x="0" y="0"/>
+          <a:ext cx="0" cy="0"/>
+          <a:chOff x="0" y="0"/>
+          <a:chExt cx="0" cy="0"/>
+        </a:xfrm>
+      </p:grpSpPr>
+      <p:sp>
+        <p:nvSpPr>
+          <p:cNvPr id="2" name="Titel 1"/>
+          <p:cNvSpPr>
+            <a:spLocks noGrp="1"/>
+          </p:cNvSpPr>
+          <p:nvPr>
+            <p:ph type="title"/>
+          </p:nvPr>
+        </p:nvSpPr>
+        <p:spPr/>
+        <p:txBody>
+          <a:bodyPr/>
+          <a:lstStyle/>
+          <a:p>
+            <a:r>
+              <a:rPr lang="en-US" dirty="0" smtClean="0"/>
+              <a:t>Transfer Socket Server</a:t>
+            </a:r>
+            <a:endParaRPr lang="en-US" dirty="0"/>
+          </a:p>
+        </p:txBody>
+      </p:sp>
+      <p:sp>
+        <p:nvSpPr>
+          <p:cNvPr id="3" name="Pladsholder til indhold 2"/>
+          <p:cNvSpPr>
+            <a:spLocks noGrp="1"/>
+          </p:cNvSpPr>
+          <p:nvPr>
+            <p:ph idx="1"/>
+          </p:nvPr>
+        </p:nvSpPr>
+        <p:spPr/>
+        <p:txBody>
+          <a:bodyPr/>
+          <a:lstStyle/>
+          <a:p>
+            <a:endParaRPr lang="en-US"/>
+          </a:p>
+        </p:txBody>
+      </p:sp>
+    </p:spTree>
+  </p:cSld>
+  <p:clrMapOvr>
+    <a:masterClrMapping/>
+  </p:clrMapOvr>
+</p:sld>
+</file>
+
+<file path=ppt/slides/slide9.xml><?xml version="1.0" encoding="utf-8"?>
+<p:sld xmlns:a="http://schemas.openxmlformats.org/drawingml/2006/main" xmlns:r="http://schemas.openxmlformats.org/officeDocument/2006/relationships" xmlns:p="http://schemas.openxmlformats.org/presentationml/2006/main">
+  <p:cSld>
+    <p:spTree>
+      <p:nvGrpSpPr>
+        <p:cNvPr id="1" name=""/>
+        <p:cNvGrpSpPr/>
+        <p:nvPr/>
+      </p:nvGrpSpPr>
+      <p:grpSpPr>
+        <a:xfrm>
+          <a:off x="0" y="0"/>
+          <a:ext cx="0" cy="0"/>
+          <a:chOff x="0" y="0"/>
+          <a:chExt cx="0" cy="0"/>
+        </a:xfrm>
+      </p:grpSpPr>
+      <p:sp>
+        <p:nvSpPr>
+          <p:cNvPr id="2" name="Titel 1"/>
+          <p:cNvSpPr>
+            <a:spLocks noGrp="1"/>
+          </p:cNvSpPr>
+          <p:nvPr>
+            <p:ph type="title"/>
+          </p:nvPr>
+        </p:nvSpPr>
+        <p:spPr/>
+        <p:txBody>
+          <a:bodyPr/>
+          <a:lstStyle/>
+          <a:p>
+            <a:r>
+              <a:rPr lang="en-US" dirty="0" smtClean="0"/>
+              <a:t>Conclusion</a:t>
+            </a:r>
+            <a:endParaRPr lang="en-US" dirty="0"/>
+          </a:p>
+        </p:txBody>
+      </p:sp>
+      <p:sp>
+        <p:nvSpPr>
+          <p:cNvPr id="3" name="Pladsholder til indhold 2"/>
+          <p:cNvSpPr>
+            <a:spLocks noGrp="1"/>
+          </p:cNvSpPr>
+          <p:nvPr>
+            <p:ph idx="1"/>
+          </p:nvPr>
+        </p:nvSpPr>
+        <p:spPr/>
+        <p:txBody>
+          <a:bodyPr/>
+          <a:lstStyle/>
+          <a:p>
+            <a:endParaRPr lang="en-US"/>
           </a:p>
         </p:txBody>
       </p:sp>
